--- a/Introduction on Rest API testing/Rest Services.pptx
+++ b/Introduction on Rest API testing/Rest Services.pptx
@@ -1357,7 +1357,7 @@
           <a:p>
             <a:fld id="{EB87FAD1-5B74-43BB-96EF-A8ADA3760F25}" type="datetimeFigureOut">
               <a:rPr lang="mr-IN" smtClean="0"/>
-              <a:t>17-02-2024</a:t>
+              <a:t>04-03-2024</a:t>
             </a:fld>
             <a:endParaRPr lang="mr-IN"/>
           </a:p>
@@ -1695,7 +1695,7 @@
           <a:p>
             <a:fld id="{EB87FAD1-5B74-43BB-96EF-A8ADA3760F25}" type="datetimeFigureOut">
               <a:rPr lang="mr-IN" smtClean="0"/>
-              <a:t>17-02-2024</a:t>
+              <a:t>04-03-2024</a:t>
             </a:fld>
             <a:endParaRPr lang="mr-IN"/>
           </a:p>
@@ -2096,7 +2096,7 @@
           <a:p>
             <a:fld id="{EB87FAD1-5B74-43BB-96EF-A8ADA3760F25}" type="datetimeFigureOut">
               <a:rPr lang="mr-IN" smtClean="0"/>
-              <a:t>17-02-2024</a:t>
+              <a:t>04-03-2024</a:t>
             </a:fld>
             <a:endParaRPr lang="mr-IN"/>
           </a:p>
@@ -2432,7 +2432,7 @@
           <a:p>
             <a:fld id="{EB87FAD1-5B74-43BB-96EF-A8ADA3760F25}" type="datetimeFigureOut">
               <a:rPr lang="mr-IN" smtClean="0"/>
-              <a:t>17-02-2024</a:t>
+              <a:t>04-03-2024</a:t>
             </a:fld>
             <a:endParaRPr lang="mr-IN"/>
           </a:p>
@@ -2752,7 +2752,7 @@
           <a:p>
             <a:fld id="{EB87FAD1-5B74-43BB-96EF-A8ADA3760F25}" type="datetimeFigureOut">
               <a:rPr lang="mr-IN" smtClean="0"/>
-              <a:t>17-02-2024</a:t>
+              <a:t>04-03-2024</a:t>
             </a:fld>
             <a:endParaRPr lang="mr-IN"/>
           </a:p>
@@ -3148,7 +3148,7 @@
           <a:p>
             <a:fld id="{EB87FAD1-5B74-43BB-96EF-A8ADA3760F25}" type="datetimeFigureOut">
               <a:rPr lang="mr-IN" smtClean="0"/>
-              <a:t>17-02-2024</a:t>
+              <a:t>04-03-2024</a:t>
             </a:fld>
             <a:endParaRPr lang="mr-IN"/>
           </a:p>
@@ -3405,7 +3405,7 @@
           <a:p>
             <a:fld id="{EB87FAD1-5B74-43BB-96EF-A8ADA3760F25}" type="datetimeFigureOut">
               <a:rPr lang="mr-IN" smtClean="0"/>
-              <a:t>17-02-2024</a:t>
+              <a:t>04-03-2024</a:t>
             </a:fld>
             <a:endParaRPr lang="mr-IN"/>
           </a:p>
@@ -3667,7 +3667,7 @@
           <a:p>
             <a:fld id="{EB87FAD1-5B74-43BB-96EF-A8ADA3760F25}" type="datetimeFigureOut">
               <a:rPr lang="mr-IN" smtClean="0"/>
-              <a:t>17-02-2024</a:t>
+              <a:t>04-03-2024</a:t>
             </a:fld>
             <a:endParaRPr lang="mr-IN"/>
           </a:p>
@@ -3929,7 +3929,7 @@
           <a:p>
             <a:fld id="{EB87FAD1-5B74-43BB-96EF-A8ADA3760F25}" type="datetimeFigureOut">
               <a:rPr lang="mr-IN" smtClean="0"/>
-              <a:t>17-02-2024</a:t>
+              <a:t>04-03-2024</a:t>
             </a:fld>
             <a:endParaRPr lang="mr-IN"/>
           </a:p>
@@ -4258,7 +4258,7 @@
           <a:p>
             <a:fld id="{EB87FAD1-5B74-43BB-96EF-A8ADA3760F25}" type="datetimeFigureOut">
               <a:rPr lang="mr-IN" smtClean="0"/>
-              <a:t>17-02-2024</a:t>
+              <a:t>04-03-2024</a:t>
             </a:fld>
             <a:endParaRPr lang="mr-IN"/>
           </a:p>
@@ -4581,7 +4581,7 @@
           <a:p>
             <a:fld id="{EB87FAD1-5B74-43BB-96EF-A8ADA3760F25}" type="datetimeFigureOut">
               <a:rPr lang="mr-IN" smtClean="0"/>
-              <a:t>17-02-2024</a:t>
+              <a:t>04-03-2024</a:t>
             </a:fld>
             <a:endParaRPr lang="mr-IN"/>
           </a:p>
@@ -5038,7 +5038,7 @@
           <a:p>
             <a:fld id="{EB87FAD1-5B74-43BB-96EF-A8ADA3760F25}" type="datetimeFigureOut">
               <a:rPr lang="mr-IN" smtClean="0"/>
-              <a:t>17-02-2024</a:t>
+              <a:t>04-03-2024</a:t>
             </a:fld>
             <a:endParaRPr lang="mr-IN"/>
           </a:p>
@@ -5243,7 +5243,7 @@
           <a:p>
             <a:fld id="{EB87FAD1-5B74-43BB-96EF-A8ADA3760F25}" type="datetimeFigureOut">
               <a:rPr lang="mr-IN" smtClean="0"/>
-              <a:t>17-02-2024</a:t>
+              <a:t>04-03-2024</a:t>
             </a:fld>
             <a:endParaRPr lang="mr-IN"/>
           </a:p>
@@ -5420,7 +5420,7 @@
           <a:p>
             <a:fld id="{EB87FAD1-5B74-43BB-96EF-A8ADA3760F25}" type="datetimeFigureOut">
               <a:rPr lang="mr-IN" smtClean="0"/>
-              <a:t>17-02-2024</a:t>
+              <a:t>04-03-2024</a:t>
             </a:fld>
             <a:endParaRPr lang="mr-IN"/>
           </a:p>
@@ -5753,7 +5753,7 @@
           <a:p>
             <a:fld id="{EB87FAD1-5B74-43BB-96EF-A8ADA3760F25}" type="datetimeFigureOut">
               <a:rPr lang="mr-IN" smtClean="0"/>
-              <a:t>17-02-2024</a:t>
+              <a:t>04-03-2024</a:t>
             </a:fld>
             <a:endParaRPr lang="mr-IN"/>
           </a:p>
@@ -6098,7 +6098,7 @@
           <a:p>
             <a:fld id="{EB87FAD1-5B74-43BB-96EF-A8ADA3760F25}" type="datetimeFigureOut">
               <a:rPr lang="mr-IN" smtClean="0"/>
-              <a:t>17-02-2024</a:t>
+              <a:t>04-03-2024</a:t>
             </a:fld>
             <a:endParaRPr lang="mr-IN"/>
           </a:p>
@@ -8215,7 +8215,7 @@
           <a:p>
             <a:fld id="{EB87FAD1-5B74-43BB-96EF-A8ADA3760F25}" type="datetimeFigureOut">
               <a:rPr lang="mr-IN" smtClean="0"/>
-              <a:t>17-02-2024</a:t>
+              <a:t>04-03-2024</a:t>
             </a:fld>
             <a:endParaRPr lang="mr-IN"/>
           </a:p>
@@ -9221,287 +9221,6 @@
       </p:transition>
     </mc:Fallback>
   </mc:AlternateContent>
-  <p:timing>
-    <p:tnLst>
-      <p:par>
-        <p:cTn id="1" dur="indefinite" restart="never" nodeType="tmRoot">
-          <p:childTnLst>
-            <p:seq concurrent="1" nextAc="seek">
-              <p:cTn id="2" dur="indefinite" nodeType="mainSeq">
-                <p:childTnLst>
-                  <p:par>
-                    <p:cTn id="3" fill="hold">
-                      <p:stCondLst>
-                        <p:cond delay="indefinite"/>
-                      </p:stCondLst>
-                      <p:childTnLst>
-                        <p:par>
-                          <p:cTn id="4" fill="hold">
-                            <p:stCondLst>
-                              <p:cond delay="0"/>
-                            </p:stCondLst>
-                            <p:childTnLst>
-                              <p:par>
-                                <p:cTn id="5" presetID="10" presetClass="entr" presetSubtype="0" fill="hold" nodeType="clickEffect">
-                                  <p:stCondLst>
-                                    <p:cond delay="0"/>
-                                  </p:stCondLst>
-                                  <p:childTnLst>
-                                    <p:set>
-                                      <p:cBhvr>
-                                        <p:cTn id="6" dur="1" fill="hold">
-                                          <p:stCondLst>
-                                            <p:cond delay="0"/>
-                                          </p:stCondLst>
-                                        </p:cTn>
-                                        <p:tgtEl>
-                                          <p:spTgt spid="3">
-                                            <p:txEl>
-                                              <p:pRg st="0" end="0"/>
-                                            </p:txEl>
-                                          </p:spTgt>
-                                        </p:tgtEl>
-                                        <p:attrNameLst>
-                                          <p:attrName>style.visibility</p:attrName>
-                                        </p:attrNameLst>
-                                      </p:cBhvr>
-                                      <p:to>
-                                        <p:strVal val="visible"/>
-                                      </p:to>
-                                    </p:set>
-                                    <p:animEffect transition="in" filter="fade">
-                                      <p:cBhvr>
-                                        <p:cTn id="7" dur="500"/>
-                                        <p:tgtEl>
-                                          <p:spTgt spid="3">
-                                            <p:txEl>
-                                              <p:pRg st="0" end="0"/>
-                                            </p:txEl>
-                                          </p:spTgt>
-                                        </p:tgtEl>
-                                      </p:cBhvr>
-                                    </p:animEffect>
-                                  </p:childTnLst>
-                                </p:cTn>
-                              </p:par>
-                            </p:childTnLst>
-                          </p:cTn>
-                        </p:par>
-                      </p:childTnLst>
-                    </p:cTn>
-                  </p:par>
-                  <p:par>
-                    <p:cTn id="8" fill="hold">
-                      <p:stCondLst>
-                        <p:cond delay="indefinite"/>
-                      </p:stCondLst>
-                      <p:childTnLst>
-                        <p:par>
-                          <p:cTn id="9" fill="hold">
-                            <p:stCondLst>
-                              <p:cond delay="0"/>
-                            </p:stCondLst>
-                            <p:childTnLst>
-                              <p:par>
-                                <p:cTn id="10" presetID="10" presetClass="entr" presetSubtype="0" fill="hold" nodeType="clickEffect">
-                                  <p:stCondLst>
-                                    <p:cond delay="0"/>
-                                  </p:stCondLst>
-                                  <p:childTnLst>
-                                    <p:set>
-                                      <p:cBhvr>
-                                        <p:cTn id="11" dur="1" fill="hold">
-                                          <p:stCondLst>
-                                            <p:cond delay="0"/>
-                                          </p:stCondLst>
-                                        </p:cTn>
-                                        <p:tgtEl>
-                                          <p:spTgt spid="3">
-                                            <p:txEl>
-                                              <p:pRg st="1" end="1"/>
-                                            </p:txEl>
-                                          </p:spTgt>
-                                        </p:tgtEl>
-                                        <p:attrNameLst>
-                                          <p:attrName>style.visibility</p:attrName>
-                                        </p:attrNameLst>
-                                      </p:cBhvr>
-                                      <p:to>
-                                        <p:strVal val="visible"/>
-                                      </p:to>
-                                    </p:set>
-                                    <p:animEffect transition="in" filter="fade">
-                                      <p:cBhvr>
-                                        <p:cTn id="12" dur="500"/>
-                                        <p:tgtEl>
-                                          <p:spTgt spid="3">
-                                            <p:txEl>
-                                              <p:pRg st="1" end="1"/>
-                                            </p:txEl>
-                                          </p:spTgt>
-                                        </p:tgtEl>
-                                      </p:cBhvr>
-                                    </p:animEffect>
-                                  </p:childTnLst>
-                                </p:cTn>
-                              </p:par>
-                              <p:par>
-                                <p:cTn id="13" presetID="10" presetClass="entr" presetSubtype="0" fill="hold" nodeType="withEffect">
-                                  <p:stCondLst>
-                                    <p:cond delay="0"/>
-                                  </p:stCondLst>
-                                  <p:childTnLst>
-                                    <p:set>
-                                      <p:cBhvr>
-                                        <p:cTn id="14" dur="1" fill="hold">
-                                          <p:stCondLst>
-                                            <p:cond delay="0"/>
-                                          </p:stCondLst>
-                                        </p:cTn>
-                                        <p:tgtEl>
-                                          <p:spTgt spid="3">
-                                            <p:txEl>
-                                              <p:pRg st="2" end="2"/>
-                                            </p:txEl>
-                                          </p:spTgt>
-                                        </p:tgtEl>
-                                        <p:attrNameLst>
-                                          <p:attrName>style.visibility</p:attrName>
-                                        </p:attrNameLst>
-                                      </p:cBhvr>
-                                      <p:to>
-                                        <p:strVal val="visible"/>
-                                      </p:to>
-                                    </p:set>
-                                    <p:animEffect transition="in" filter="fade">
-                                      <p:cBhvr>
-                                        <p:cTn id="15" dur="500"/>
-                                        <p:tgtEl>
-                                          <p:spTgt spid="3">
-                                            <p:txEl>
-                                              <p:pRg st="2" end="2"/>
-                                            </p:txEl>
-                                          </p:spTgt>
-                                        </p:tgtEl>
-                                      </p:cBhvr>
-                                    </p:animEffect>
-                                  </p:childTnLst>
-                                </p:cTn>
-                              </p:par>
-                              <p:par>
-                                <p:cTn id="16" presetID="10" presetClass="entr" presetSubtype="0" fill="hold" nodeType="withEffect">
-                                  <p:stCondLst>
-                                    <p:cond delay="0"/>
-                                  </p:stCondLst>
-                                  <p:childTnLst>
-                                    <p:set>
-                                      <p:cBhvr>
-                                        <p:cTn id="17" dur="1" fill="hold">
-                                          <p:stCondLst>
-                                            <p:cond delay="0"/>
-                                          </p:stCondLst>
-                                        </p:cTn>
-                                        <p:tgtEl>
-                                          <p:spTgt spid="3">
-                                            <p:txEl>
-                                              <p:pRg st="3" end="3"/>
-                                            </p:txEl>
-                                          </p:spTgt>
-                                        </p:tgtEl>
-                                        <p:attrNameLst>
-                                          <p:attrName>style.visibility</p:attrName>
-                                        </p:attrNameLst>
-                                      </p:cBhvr>
-                                      <p:to>
-                                        <p:strVal val="visible"/>
-                                      </p:to>
-                                    </p:set>
-                                    <p:animEffect transition="in" filter="fade">
-                                      <p:cBhvr>
-                                        <p:cTn id="18" dur="500"/>
-                                        <p:tgtEl>
-                                          <p:spTgt spid="3">
-                                            <p:txEl>
-                                              <p:pRg st="3" end="3"/>
-                                            </p:txEl>
-                                          </p:spTgt>
-                                        </p:tgtEl>
-                                      </p:cBhvr>
-                                    </p:animEffect>
-                                  </p:childTnLst>
-                                </p:cTn>
-                              </p:par>
-                              <p:par>
-                                <p:cTn id="19" presetID="10" presetClass="entr" presetSubtype="0" fill="hold" nodeType="withEffect">
-                                  <p:stCondLst>
-                                    <p:cond delay="0"/>
-                                  </p:stCondLst>
-                                  <p:childTnLst>
-                                    <p:set>
-                                      <p:cBhvr>
-                                        <p:cTn id="20" dur="1" fill="hold">
-                                          <p:stCondLst>
-                                            <p:cond delay="0"/>
-                                          </p:stCondLst>
-                                        </p:cTn>
-                                        <p:tgtEl>
-                                          <p:spTgt spid="3">
-                                            <p:txEl>
-                                              <p:pRg st="4" end="4"/>
-                                            </p:txEl>
-                                          </p:spTgt>
-                                        </p:tgtEl>
-                                        <p:attrNameLst>
-                                          <p:attrName>style.visibility</p:attrName>
-                                        </p:attrNameLst>
-                                      </p:cBhvr>
-                                      <p:to>
-                                        <p:strVal val="visible"/>
-                                      </p:to>
-                                    </p:set>
-                                    <p:animEffect transition="in" filter="fade">
-                                      <p:cBhvr>
-                                        <p:cTn id="21" dur="500"/>
-                                        <p:tgtEl>
-                                          <p:spTgt spid="3">
-                                            <p:txEl>
-                                              <p:pRg st="4" end="4"/>
-                                            </p:txEl>
-                                          </p:spTgt>
-                                        </p:tgtEl>
-                                      </p:cBhvr>
-                                    </p:animEffect>
-                                  </p:childTnLst>
-                                </p:cTn>
-                              </p:par>
-                            </p:childTnLst>
-                          </p:cTn>
-                        </p:par>
-                      </p:childTnLst>
-                    </p:cTn>
-                  </p:par>
-                </p:childTnLst>
-              </p:cTn>
-              <p:prevCondLst>
-                <p:cond evt="onPrev" delay="0">
-                  <p:tgtEl>
-                    <p:sldTgt/>
-                  </p:tgtEl>
-                </p:cond>
-              </p:prevCondLst>
-              <p:nextCondLst>
-                <p:cond evt="onNext" delay="0">
-                  <p:tgtEl>
-                    <p:sldTgt/>
-                  </p:tgtEl>
-                </p:cond>
-              </p:nextCondLst>
-            </p:seq>
-          </p:childTnLst>
-        </p:cTn>
-      </p:par>
-    </p:tnLst>
-  </p:timing>
 </p:sld>
 </file>
 
@@ -9652,140 +9371,6 @@
   <p:clrMapOvr>
     <a:masterClrMapping/>
   </p:clrMapOvr>
-  <p:timing>
-    <p:tnLst>
-      <p:par>
-        <p:cTn id="1" dur="indefinite" restart="never" nodeType="tmRoot">
-          <p:childTnLst>
-            <p:seq concurrent="1" nextAc="seek">
-              <p:cTn id="2" dur="indefinite" nodeType="mainSeq">
-                <p:childTnLst>
-                  <p:par>
-                    <p:cTn id="3" fill="hold">
-                      <p:stCondLst>
-                        <p:cond delay="indefinite"/>
-                      </p:stCondLst>
-                      <p:childTnLst>
-                        <p:par>
-                          <p:cTn id="4" fill="hold">
-                            <p:stCondLst>
-                              <p:cond delay="0"/>
-                            </p:stCondLst>
-                            <p:childTnLst>
-                              <p:par>
-                                <p:cTn id="5" presetID="10" presetClass="entr" presetSubtype="0" fill="hold" nodeType="clickEffect">
-                                  <p:stCondLst>
-                                    <p:cond delay="0"/>
-                                  </p:stCondLst>
-                                  <p:childTnLst>
-                                    <p:set>
-                                      <p:cBhvr>
-                                        <p:cTn id="6" dur="1" fill="hold">
-                                          <p:stCondLst>
-                                            <p:cond delay="0"/>
-                                          </p:stCondLst>
-                                        </p:cTn>
-                                        <p:tgtEl>
-                                          <p:spTgt spid="3">
-                                            <p:txEl>
-                                              <p:pRg st="0" end="0"/>
-                                            </p:txEl>
-                                          </p:spTgt>
-                                        </p:tgtEl>
-                                        <p:attrNameLst>
-                                          <p:attrName>style.visibility</p:attrName>
-                                        </p:attrNameLst>
-                                      </p:cBhvr>
-                                      <p:to>
-                                        <p:strVal val="visible"/>
-                                      </p:to>
-                                    </p:set>
-                                    <p:animEffect transition="in" filter="fade">
-                                      <p:cBhvr>
-                                        <p:cTn id="7" dur="500"/>
-                                        <p:tgtEl>
-                                          <p:spTgt spid="3">
-                                            <p:txEl>
-                                              <p:pRg st="0" end="0"/>
-                                            </p:txEl>
-                                          </p:spTgt>
-                                        </p:tgtEl>
-                                      </p:cBhvr>
-                                    </p:animEffect>
-                                  </p:childTnLst>
-                                </p:cTn>
-                              </p:par>
-                              <p:par>
-                                <p:cTn id="8" presetID="10" presetClass="entr" presetSubtype="0" fill="hold" nodeType="withEffect">
-                                  <p:stCondLst>
-                                    <p:cond delay="0"/>
-                                  </p:stCondLst>
-                                  <p:childTnLst>
-                                    <p:set>
-                                      <p:cBhvr>
-                                        <p:cTn id="9" dur="1" fill="hold">
-                                          <p:stCondLst>
-                                            <p:cond delay="0"/>
-                                          </p:stCondLst>
-                                        </p:cTn>
-                                        <p:tgtEl>
-                                          <p:spTgt spid="3">
-                                            <p:txEl>
-                                              <p:pRg st="1" end="1"/>
-                                            </p:txEl>
-                                          </p:spTgt>
-                                        </p:tgtEl>
-                                        <p:attrNameLst>
-                                          <p:attrName>style.visibility</p:attrName>
-                                        </p:attrNameLst>
-                                      </p:cBhvr>
-                                      <p:to>
-                                        <p:strVal val="visible"/>
-                                      </p:to>
-                                    </p:set>
-                                    <p:animEffect transition="in" filter="fade">
-                                      <p:cBhvr>
-                                        <p:cTn id="10" dur="500"/>
-                                        <p:tgtEl>
-                                          <p:spTgt spid="3">
-                                            <p:txEl>
-                                              <p:pRg st="1" end="1"/>
-                                            </p:txEl>
-                                          </p:spTgt>
-                                        </p:tgtEl>
-                                      </p:cBhvr>
-                                    </p:animEffect>
-                                  </p:childTnLst>
-                                </p:cTn>
-                              </p:par>
-                            </p:childTnLst>
-                          </p:cTn>
-                        </p:par>
-                      </p:childTnLst>
-                    </p:cTn>
-                  </p:par>
-                </p:childTnLst>
-              </p:cTn>
-              <p:prevCondLst>
-                <p:cond evt="onPrev" delay="0">
-                  <p:tgtEl>
-                    <p:sldTgt/>
-                  </p:tgtEl>
-                </p:cond>
-              </p:prevCondLst>
-              <p:nextCondLst>
-                <p:cond evt="onNext" delay="0">
-                  <p:tgtEl>
-                    <p:sldTgt/>
-                  </p:tgtEl>
-                </p:cond>
-              </p:nextCondLst>
-            </p:seq>
-          </p:childTnLst>
-        </p:cTn>
-      </p:par>
-    </p:tnLst>
-  </p:timing>
 </p:sld>
 </file>
 
@@ -11058,208 +10643,14 @@
   <p:clrMapOvr>
     <a:masterClrMapping/>
   </p:clrMapOvr>
-  <mc:AlternateContent xmlns:mc="http://schemas.openxmlformats.org/markup-compatibility/2006" xmlns:p14="http://schemas.microsoft.com/office/powerpoint/2010/main">
-    <mc:Choice Requires="p14">
-      <p:transition spd="med" p14:dur="700">
-        <p:fade/>
-      </p:transition>
+  <mc:AlternateContent xmlns:mc="http://schemas.openxmlformats.org/markup-compatibility/2006">
+    <mc:Choice xmlns:p14="http://schemas.microsoft.com/office/powerpoint/2010/main" Requires="p14">
+      <p:transition p14:dur="10"/>
     </mc:Choice>
-    <mc:Fallback xmlns="">
-      <p:transition spd="med">
-        <p:fade/>
-      </p:transition>
+    <mc:Fallback>
+      <p:transition/>
     </mc:Fallback>
   </mc:AlternateContent>
-  <p:timing>
-    <p:tnLst>
-      <p:par>
-        <p:cTn id="1" dur="indefinite" restart="never" nodeType="tmRoot">
-          <p:childTnLst>
-            <p:seq concurrent="1" nextAc="seek">
-              <p:cTn id="2" dur="indefinite" nodeType="mainSeq">
-                <p:childTnLst>
-                  <p:par>
-                    <p:cTn id="3" fill="hold">
-                      <p:stCondLst>
-                        <p:cond delay="indefinite"/>
-                      </p:stCondLst>
-                      <p:childTnLst>
-                        <p:par>
-                          <p:cTn id="4" fill="hold">
-                            <p:stCondLst>
-                              <p:cond delay="0"/>
-                            </p:stCondLst>
-                            <p:childTnLst>
-                              <p:par>
-                                <p:cTn id="5" presetID="10" presetClass="entr" presetSubtype="0" fill="hold" grpId="0" nodeType="clickEffect">
-                                  <p:stCondLst>
-                                    <p:cond delay="0"/>
-                                  </p:stCondLst>
-                                  <p:childTnLst>
-                                    <p:set>
-                                      <p:cBhvr>
-                                        <p:cTn id="6" dur="1" fill="hold">
-                                          <p:stCondLst>
-                                            <p:cond delay="0"/>
-                                          </p:stCondLst>
-                                        </p:cTn>
-                                        <p:tgtEl>
-                                          <p:spTgt spid="2"/>
-                                        </p:tgtEl>
-                                        <p:attrNameLst>
-                                          <p:attrName>style.visibility</p:attrName>
-                                        </p:attrNameLst>
-                                      </p:cBhvr>
-                                      <p:to>
-                                        <p:strVal val="visible"/>
-                                      </p:to>
-                                    </p:set>
-                                    <p:animEffect transition="in" filter="fade">
-                                      <p:cBhvr>
-                                        <p:cTn id="7" dur="500"/>
-                                        <p:tgtEl>
-                                          <p:spTgt spid="2"/>
-                                        </p:tgtEl>
-                                      </p:cBhvr>
-                                    </p:animEffect>
-                                  </p:childTnLst>
-                                </p:cTn>
-                              </p:par>
-                            </p:childTnLst>
-                          </p:cTn>
-                        </p:par>
-                      </p:childTnLst>
-                    </p:cTn>
-                  </p:par>
-                  <p:par>
-                    <p:cTn id="8" fill="hold">
-                      <p:stCondLst>
-                        <p:cond delay="indefinite"/>
-                      </p:stCondLst>
-                      <p:childTnLst>
-                        <p:par>
-                          <p:cTn id="9" fill="hold">
-                            <p:stCondLst>
-                              <p:cond delay="0"/>
-                            </p:stCondLst>
-                            <p:childTnLst>
-                              <p:par>
-                                <p:cTn id="10" presetID="10" presetClass="entr" presetSubtype="0" fill="hold" nodeType="clickEffect">
-                                  <p:stCondLst>
-                                    <p:cond delay="0"/>
-                                  </p:stCondLst>
-                                  <p:childTnLst>
-                                    <p:set>
-                                      <p:cBhvr>
-                                        <p:cTn id="11" dur="1" fill="hold">
-                                          <p:stCondLst>
-                                            <p:cond delay="0"/>
-                                          </p:stCondLst>
-                                        </p:cTn>
-                                        <p:tgtEl>
-                                          <p:spTgt spid="3">
-                                            <p:txEl>
-                                              <p:pRg st="0" end="0"/>
-                                            </p:txEl>
-                                          </p:spTgt>
-                                        </p:tgtEl>
-                                        <p:attrNameLst>
-                                          <p:attrName>style.visibility</p:attrName>
-                                        </p:attrNameLst>
-                                      </p:cBhvr>
-                                      <p:to>
-                                        <p:strVal val="visible"/>
-                                      </p:to>
-                                    </p:set>
-                                    <p:animEffect transition="in" filter="fade">
-                                      <p:cBhvr>
-                                        <p:cTn id="12" dur="500"/>
-                                        <p:tgtEl>
-                                          <p:spTgt spid="3">
-                                            <p:txEl>
-                                              <p:pRg st="0" end="0"/>
-                                            </p:txEl>
-                                          </p:spTgt>
-                                        </p:tgtEl>
-                                      </p:cBhvr>
-                                    </p:animEffect>
-                                  </p:childTnLst>
-                                </p:cTn>
-                              </p:par>
-                              <p:par>
-                                <p:cTn id="13" presetID="10" presetClass="entr" presetSubtype="0" fill="hold" nodeType="withEffect">
-                                  <p:stCondLst>
-                                    <p:cond delay="0"/>
-                                  </p:stCondLst>
-                                  <p:childTnLst>
-                                    <p:set>
-                                      <p:cBhvr>
-                                        <p:cTn id="14" dur="1" fill="hold">
-                                          <p:stCondLst>
-                                            <p:cond delay="0"/>
-                                          </p:stCondLst>
-                                        </p:cTn>
-                                        <p:tgtEl>
-                                          <p:spTgt spid="3">
-                                            <p:txEl>
-                                              <p:pRg st="1" end="1"/>
-                                            </p:txEl>
-                                          </p:spTgt>
-                                        </p:tgtEl>
-                                        <p:attrNameLst>
-                                          <p:attrName>style.visibility</p:attrName>
-                                        </p:attrNameLst>
-                                      </p:cBhvr>
-                                      <p:to>
-                                        <p:strVal val="visible"/>
-                                      </p:to>
-                                    </p:set>
-                                    <p:animEffect transition="in" filter="fade">
-                                      <p:cBhvr>
-                                        <p:cTn id="15" dur="500"/>
-                                        <p:tgtEl>
-                                          <p:spTgt spid="3">
-                                            <p:txEl>
-                                              <p:pRg st="1" end="1"/>
-                                            </p:txEl>
-                                          </p:spTgt>
-                                        </p:tgtEl>
-                                      </p:cBhvr>
-                                    </p:animEffect>
-                                  </p:childTnLst>
-                                </p:cTn>
-                              </p:par>
-                            </p:childTnLst>
-                          </p:cTn>
-                        </p:par>
-                      </p:childTnLst>
-                    </p:cTn>
-                  </p:par>
-                </p:childTnLst>
-              </p:cTn>
-              <p:prevCondLst>
-                <p:cond evt="onPrev" delay="0">
-                  <p:tgtEl>
-                    <p:sldTgt/>
-                  </p:tgtEl>
-                </p:cond>
-              </p:prevCondLst>
-              <p:nextCondLst>
-                <p:cond evt="onNext" delay="0">
-                  <p:tgtEl>
-                    <p:sldTgt/>
-                  </p:tgtEl>
-                </p:cond>
-              </p:nextCondLst>
-            </p:seq>
-          </p:childTnLst>
-        </p:cTn>
-      </p:par>
-    </p:tnLst>
-    <p:bldLst>
-      <p:bldP spid="2" grpId="0"/>
-    </p:bldLst>
-  </p:timing>
 </p:sld>
 </file>
 
@@ -11415,31 +10806,7 @@
                 <a:ea typeface="Calibri" panose="020F0502020204030204" pitchFamily="34" charset="0"/>
                 <a:cs typeface="Calibri" panose="020F0502020204030204" pitchFamily="34" charset="0"/>
               </a:rPr>
-              <a:t>APIs are the building blocks of modern digital ecosystems, </a:t>
-            </a:r>
-            <a:r>
-              <a:rPr lang="en-IN" sz="2000" b="0" i="0">
-                <a:solidFill>
-                  <a:srgbClr val="374151"/>
-                </a:solidFill>
-                <a:effectLst/>
-                <a:latin typeface="Calibri" panose="020F0502020204030204" pitchFamily="34" charset="0"/>
-                <a:ea typeface="Calibri" panose="020F0502020204030204" pitchFamily="34" charset="0"/>
-                <a:cs typeface="Calibri" panose="020F0502020204030204" pitchFamily="34" charset="0"/>
-              </a:rPr>
-              <a:t>and REST </a:t>
-            </a:r>
-            <a:r>
-              <a:rPr lang="en-IN" sz="2000" b="0" i="0" dirty="0">
-                <a:solidFill>
-                  <a:srgbClr val="374151"/>
-                </a:solidFill>
-                <a:effectLst/>
-                <a:latin typeface="Calibri" panose="020F0502020204030204" pitchFamily="34" charset="0"/>
-                <a:ea typeface="Calibri" panose="020F0502020204030204" pitchFamily="34" charset="0"/>
-                <a:cs typeface="Calibri" panose="020F0502020204030204" pitchFamily="34" charset="0"/>
-              </a:rPr>
-              <a:t>in particular, is a fundamental architectural style that governs how these APIs work.</a:t>
+              <a:t>APIs are the building blocks of modern digital ecosystems, and REST in particular, is a fundamental architectural style that governs how these APIs work.</a:t>
             </a:r>
           </a:p>
           <a:p>
@@ -11532,287 +10899,6 @@
   <p:transition spd="slow">
     <p:cover/>
   </p:transition>
-  <p:timing>
-    <p:tnLst>
-      <p:par>
-        <p:cTn id="1" dur="indefinite" restart="never" nodeType="tmRoot">
-          <p:childTnLst>
-            <p:seq concurrent="1" nextAc="seek">
-              <p:cTn id="2" dur="indefinite" nodeType="mainSeq">
-                <p:childTnLst>
-                  <p:par>
-                    <p:cTn id="3" fill="hold">
-                      <p:stCondLst>
-                        <p:cond delay="indefinite"/>
-                      </p:stCondLst>
-                      <p:childTnLst>
-                        <p:par>
-                          <p:cTn id="4" fill="hold">
-                            <p:stCondLst>
-                              <p:cond delay="0"/>
-                            </p:stCondLst>
-                            <p:childTnLst>
-                              <p:par>
-                                <p:cTn id="5" presetID="10" presetClass="entr" presetSubtype="0" fill="hold" nodeType="clickEffect">
-                                  <p:stCondLst>
-                                    <p:cond delay="0"/>
-                                  </p:stCondLst>
-                                  <p:childTnLst>
-                                    <p:set>
-                                      <p:cBhvr>
-                                        <p:cTn id="6" dur="1" fill="hold">
-                                          <p:stCondLst>
-                                            <p:cond delay="0"/>
-                                          </p:stCondLst>
-                                        </p:cTn>
-                                        <p:tgtEl>
-                                          <p:spTgt spid="3">
-                                            <p:txEl>
-                                              <p:pRg st="0" end="0"/>
-                                            </p:txEl>
-                                          </p:spTgt>
-                                        </p:tgtEl>
-                                        <p:attrNameLst>
-                                          <p:attrName>style.visibility</p:attrName>
-                                        </p:attrNameLst>
-                                      </p:cBhvr>
-                                      <p:to>
-                                        <p:strVal val="visible"/>
-                                      </p:to>
-                                    </p:set>
-                                    <p:animEffect transition="in" filter="fade">
-                                      <p:cBhvr>
-                                        <p:cTn id="7" dur="500"/>
-                                        <p:tgtEl>
-                                          <p:spTgt spid="3">
-                                            <p:txEl>
-                                              <p:pRg st="0" end="0"/>
-                                            </p:txEl>
-                                          </p:spTgt>
-                                        </p:tgtEl>
-                                      </p:cBhvr>
-                                    </p:animEffect>
-                                  </p:childTnLst>
-                                </p:cTn>
-                              </p:par>
-                              <p:par>
-                                <p:cTn id="8" presetID="10" presetClass="entr" presetSubtype="0" fill="hold" nodeType="withEffect">
-                                  <p:stCondLst>
-                                    <p:cond delay="0"/>
-                                  </p:stCondLst>
-                                  <p:childTnLst>
-                                    <p:set>
-                                      <p:cBhvr>
-                                        <p:cTn id="9" dur="1" fill="hold">
-                                          <p:stCondLst>
-                                            <p:cond delay="0"/>
-                                          </p:stCondLst>
-                                        </p:cTn>
-                                        <p:tgtEl>
-                                          <p:spTgt spid="3">
-                                            <p:txEl>
-                                              <p:pRg st="1" end="1"/>
-                                            </p:txEl>
-                                          </p:spTgt>
-                                        </p:tgtEl>
-                                        <p:attrNameLst>
-                                          <p:attrName>style.visibility</p:attrName>
-                                        </p:attrNameLst>
-                                      </p:cBhvr>
-                                      <p:to>
-                                        <p:strVal val="visible"/>
-                                      </p:to>
-                                    </p:set>
-                                    <p:animEffect transition="in" filter="fade">
-                                      <p:cBhvr>
-                                        <p:cTn id="10" dur="500"/>
-                                        <p:tgtEl>
-                                          <p:spTgt spid="3">
-                                            <p:txEl>
-                                              <p:pRg st="1" end="1"/>
-                                            </p:txEl>
-                                          </p:spTgt>
-                                        </p:tgtEl>
-                                      </p:cBhvr>
-                                    </p:animEffect>
-                                  </p:childTnLst>
-                                </p:cTn>
-                              </p:par>
-                              <p:par>
-                                <p:cTn id="11" presetID="10" presetClass="entr" presetSubtype="0" fill="hold" nodeType="withEffect">
-                                  <p:stCondLst>
-                                    <p:cond delay="0"/>
-                                  </p:stCondLst>
-                                  <p:childTnLst>
-                                    <p:set>
-                                      <p:cBhvr>
-                                        <p:cTn id="12" dur="1" fill="hold">
-                                          <p:stCondLst>
-                                            <p:cond delay="0"/>
-                                          </p:stCondLst>
-                                        </p:cTn>
-                                        <p:tgtEl>
-                                          <p:spTgt spid="3">
-                                            <p:txEl>
-                                              <p:pRg st="2" end="2"/>
-                                            </p:txEl>
-                                          </p:spTgt>
-                                        </p:tgtEl>
-                                        <p:attrNameLst>
-                                          <p:attrName>style.visibility</p:attrName>
-                                        </p:attrNameLst>
-                                      </p:cBhvr>
-                                      <p:to>
-                                        <p:strVal val="visible"/>
-                                      </p:to>
-                                    </p:set>
-                                    <p:animEffect transition="in" filter="fade">
-                                      <p:cBhvr>
-                                        <p:cTn id="13" dur="500"/>
-                                        <p:tgtEl>
-                                          <p:spTgt spid="3">
-                                            <p:txEl>
-                                              <p:pRg st="2" end="2"/>
-                                            </p:txEl>
-                                          </p:spTgt>
-                                        </p:tgtEl>
-                                      </p:cBhvr>
-                                    </p:animEffect>
-                                  </p:childTnLst>
-                                </p:cTn>
-                              </p:par>
-                            </p:childTnLst>
-                          </p:cTn>
-                        </p:par>
-                      </p:childTnLst>
-                    </p:cTn>
-                  </p:par>
-                  <p:par>
-                    <p:cTn id="14" fill="hold">
-                      <p:stCondLst>
-                        <p:cond delay="indefinite"/>
-                      </p:stCondLst>
-                      <p:childTnLst>
-                        <p:par>
-                          <p:cTn id="15" fill="hold">
-                            <p:stCondLst>
-                              <p:cond delay="0"/>
-                            </p:stCondLst>
-                            <p:childTnLst>
-                              <p:par>
-                                <p:cTn id="16" presetID="10" presetClass="entr" presetSubtype="0" fill="hold" nodeType="clickEffect">
-                                  <p:stCondLst>
-                                    <p:cond delay="0"/>
-                                  </p:stCondLst>
-                                  <p:childTnLst>
-                                    <p:set>
-                                      <p:cBhvr>
-                                        <p:cTn id="17" dur="1" fill="hold">
-                                          <p:stCondLst>
-                                            <p:cond delay="0"/>
-                                          </p:stCondLst>
-                                        </p:cTn>
-                                        <p:tgtEl>
-                                          <p:spTgt spid="3">
-                                            <p:txEl>
-                                              <p:pRg st="3" end="3"/>
-                                            </p:txEl>
-                                          </p:spTgt>
-                                        </p:tgtEl>
-                                        <p:attrNameLst>
-                                          <p:attrName>style.visibility</p:attrName>
-                                        </p:attrNameLst>
-                                      </p:cBhvr>
-                                      <p:to>
-                                        <p:strVal val="visible"/>
-                                      </p:to>
-                                    </p:set>
-                                    <p:animEffect transition="in" filter="fade">
-                                      <p:cBhvr>
-                                        <p:cTn id="18" dur="500"/>
-                                        <p:tgtEl>
-                                          <p:spTgt spid="3">
-                                            <p:txEl>
-                                              <p:pRg st="3" end="3"/>
-                                            </p:txEl>
-                                          </p:spTgt>
-                                        </p:tgtEl>
-                                      </p:cBhvr>
-                                    </p:animEffect>
-                                  </p:childTnLst>
-                                </p:cTn>
-                              </p:par>
-                              <p:par>
-                                <p:cTn id="19" presetID="10" presetClass="entr" presetSubtype="0" fill="hold" nodeType="withEffect">
-                                  <p:stCondLst>
-                                    <p:cond delay="0"/>
-                                  </p:stCondLst>
-                                  <p:childTnLst>
-                                    <p:set>
-                                      <p:cBhvr>
-                                        <p:cTn id="20" dur="1" fill="hold">
-                                          <p:stCondLst>
-                                            <p:cond delay="0"/>
-                                          </p:stCondLst>
-                                        </p:cTn>
-                                        <p:tgtEl>
-                                          <p:spTgt spid="3">
-                                            <p:txEl>
-                                              <p:pRg st="4" end="4"/>
-                                            </p:txEl>
-                                          </p:spTgt>
-                                        </p:tgtEl>
-                                        <p:attrNameLst>
-                                          <p:attrName>style.visibility</p:attrName>
-                                        </p:attrNameLst>
-                                      </p:cBhvr>
-                                      <p:to>
-                                        <p:strVal val="visible"/>
-                                      </p:to>
-                                    </p:set>
-                                    <p:animEffect transition="in" filter="fade">
-                                      <p:cBhvr>
-                                        <p:cTn id="21" dur="500"/>
-                                        <p:tgtEl>
-                                          <p:spTgt spid="3">
-                                            <p:txEl>
-                                              <p:pRg st="4" end="4"/>
-                                            </p:txEl>
-                                          </p:spTgt>
-                                        </p:tgtEl>
-                                      </p:cBhvr>
-                                    </p:animEffect>
-                                  </p:childTnLst>
-                                </p:cTn>
-                              </p:par>
-                            </p:childTnLst>
-                          </p:cTn>
-                        </p:par>
-                      </p:childTnLst>
-                    </p:cTn>
-                  </p:par>
-                </p:childTnLst>
-              </p:cTn>
-              <p:prevCondLst>
-                <p:cond evt="onPrev" delay="0">
-                  <p:tgtEl>
-                    <p:sldTgt/>
-                  </p:tgtEl>
-                </p:cond>
-              </p:prevCondLst>
-              <p:nextCondLst>
-                <p:cond evt="onNext" delay="0">
-                  <p:tgtEl>
-                    <p:sldTgt/>
-                  </p:tgtEl>
-                </p:cond>
-              </p:nextCondLst>
-            </p:seq>
-          </p:childTnLst>
-        </p:cTn>
-      </p:par>
-    </p:tnLst>
-  </p:timing>
 </p:sld>
 </file>
 
@@ -11999,97 +11085,6 @@
   <p:transition spd="slow">
     <p:cover/>
   </p:transition>
-  <p:timing>
-    <p:tnLst>
-      <p:par>
-        <p:cTn id="1" dur="indefinite" restart="never" nodeType="tmRoot">
-          <p:childTnLst>
-            <p:seq concurrent="1" nextAc="seek">
-              <p:cTn id="2" dur="indefinite" nodeType="mainSeq">
-                <p:childTnLst>
-                  <p:par>
-                    <p:cTn id="3" fill="hold">
-                      <p:stCondLst>
-                        <p:cond delay="indefinite"/>
-                      </p:stCondLst>
-                      <p:childTnLst>
-                        <p:par>
-                          <p:cTn id="4" fill="hold">
-                            <p:stCondLst>
-                              <p:cond delay="0"/>
-                            </p:stCondLst>
-                            <p:childTnLst>
-                              <p:par>
-                                <p:cTn id="5" presetID="10" presetClass="entr" presetSubtype="0" fill="hold" nodeType="clickEffect">
-                                  <p:stCondLst>
-                                    <p:cond delay="0"/>
-                                  </p:stCondLst>
-                                  <p:childTnLst>
-                                    <p:set>
-                                      <p:cBhvr>
-                                        <p:cTn id="6" dur="1" fill="hold">
-                                          <p:stCondLst>
-                                            <p:cond delay="0"/>
-                                          </p:stCondLst>
-                                        </p:cTn>
-                                        <p:tgtEl>
-                                          <p:spTgt spid="3">
-                                            <p:txEl>
-                                              <p:pRg st="0" end="0"/>
-                                            </p:txEl>
-                                          </p:spTgt>
-                                        </p:tgtEl>
-                                        <p:attrNameLst>
-                                          <p:attrName>style.visibility</p:attrName>
-                                        </p:attrNameLst>
-                                      </p:cBhvr>
-                                      <p:to>
-                                        <p:strVal val="visible"/>
-                                      </p:to>
-                                    </p:set>
-                                    <p:animEffect transition="in" filter="fade">
-                                      <p:cBhvr>
-                                        <p:cTn id="7" dur="500"/>
-                                        <p:tgtEl>
-                                          <p:spTgt spid="3">
-                                            <p:txEl>
-                                              <p:pRg st="0" end="0"/>
-                                            </p:txEl>
-                                          </p:spTgt>
-                                        </p:tgtEl>
-                                      </p:cBhvr>
-                                    </p:animEffect>
-                                  </p:childTnLst>
-                                </p:cTn>
-                              </p:par>
-                            </p:childTnLst>
-                          </p:cTn>
-                        </p:par>
-                      </p:childTnLst>
-                    </p:cTn>
-                  </p:par>
-                </p:childTnLst>
-              </p:cTn>
-              <p:prevCondLst>
-                <p:cond evt="onPrev" delay="0">
-                  <p:tgtEl>
-                    <p:sldTgt/>
-                  </p:tgtEl>
-                </p:cond>
-              </p:prevCondLst>
-              <p:nextCondLst>
-                <p:cond evt="onNext" delay="0">
-                  <p:tgtEl>
-                    <p:sldTgt/>
-                  </p:tgtEl>
-                </p:cond>
-              </p:nextCondLst>
-            </p:seq>
-          </p:childTnLst>
-        </p:cTn>
-      </p:par>
-    </p:tnLst>
-  </p:timing>
 </p:sld>
 </file>
 
@@ -12408,330 +11403,6 @@
   <p:transition spd="slow">
     <p:cover/>
   </p:transition>
-  <p:timing>
-    <p:tnLst>
-      <p:par>
-        <p:cTn id="1" dur="indefinite" restart="never" nodeType="tmRoot">
-          <p:childTnLst>
-            <p:seq concurrent="1" nextAc="seek">
-              <p:cTn id="2" dur="indefinite" nodeType="mainSeq">
-                <p:childTnLst>
-                  <p:par>
-                    <p:cTn id="3" fill="hold">
-                      <p:stCondLst>
-                        <p:cond delay="indefinite"/>
-                      </p:stCondLst>
-                      <p:childTnLst>
-                        <p:par>
-                          <p:cTn id="4" fill="hold">
-                            <p:stCondLst>
-                              <p:cond delay="0"/>
-                            </p:stCondLst>
-                            <p:childTnLst>
-                              <p:par>
-                                <p:cTn id="5" presetID="10" presetClass="entr" presetSubtype="0" fill="hold" nodeType="clickEffect">
-                                  <p:stCondLst>
-                                    <p:cond delay="0"/>
-                                  </p:stCondLst>
-                                  <p:childTnLst>
-                                    <p:set>
-                                      <p:cBhvr>
-                                        <p:cTn id="6" dur="1" fill="hold">
-                                          <p:stCondLst>
-                                            <p:cond delay="0"/>
-                                          </p:stCondLst>
-                                        </p:cTn>
-                                        <p:tgtEl>
-                                          <p:spTgt spid="3">
-                                            <p:txEl>
-                                              <p:pRg st="1" end="1"/>
-                                            </p:txEl>
-                                          </p:spTgt>
-                                        </p:tgtEl>
-                                        <p:attrNameLst>
-                                          <p:attrName>style.visibility</p:attrName>
-                                        </p:attrNameLst>
-                                      </p:cBhvr>
-                                      <p:to>
-                                        <p:strVal val="visible"/>
-                                      </p:to>
-                                    </p:set>
-                                    <p:animEffect transition="in" filter="fade">
-                                      <p:cBhvr>
-                                        <p:cTn id="7" dur="500"/>
-                                        <p:tgtEl>
-                                          <p:spTgt spid="3">
-                                            <p:txEl>
-                                              <p:pRg st="1" end="1"/>
-                                            </p:txEl>
-                                          </p:spTgt>
-                                        </p:tgtEl>
-                                      </p:cBhvr>
-                                    </p:animEffect>
-                                  </p:childTnLst>
-                                </p:cTn>
-                              </p:par>
-                              <p:par>
-                                <p:cTn id="8" presetID="10" presetClass="entr" presetSubtype="0" fill="hold" nodeType="withEffect">
-                                  <p:stCondLst>
-                                    <p:cond delay="0"/>
-                                  </p:stCondLst>
-                                  <p:childTnLst>
-                                    <p:set>
-                                      <p:cBhvr>
-                                        <p:cTn id="9" dur="1" fill="hold">
-                                          <p:stCondLst>
-                                            <p:cond delay="0"/>
-                                          </p:stCondLst>
-                                        </p:cTn>
-                                        <p:tgtEl>
-                                          <p:spTgt spid="3">
-                                            <p:txEl>
-                                              <p:pRg st="2" end="2"/>
-                                            </p:txEl>
-                                          </p:spTgt>
-                                        </p:tgtEl>
-                                        <p:attrNameLst>
-                                          <p:attrName>style.visibility</p:attrName>
-                                        </p:attrNameLst>
-                                      </p:cBhvr>
-                                      <p:to>
-                                        <p:strVal val="visible"/>
-                                      </p:to>
-                                    </p:set>
-                                    <p:animEffect transition="in" filter="fade">
-                                      <p:cBhvr>
-                                        <p:cTn id="10" dur="500"/>
-                                        <p:tgtEl>
-                                          <p:spTgt spid="3">
-                                            <p:txEl>
-                                              <p:pRg st="2" end="2"/>
-                                            </p:txEl>
-                                          </p:spTgt>
-                                        </p:tgtEl>
-                                      </p:cBhvr>
-                                    </p:animEffect>
-                                  </p:childTnLst>
-                                </p:cTn>
-                              </p:par>
-                              <p:par>
-                                <p:cTn id="11" presetID="10" presetClass="entr" presetSubtype="0" fill="hold" nodeType="withEffect">
-                                  <p:stCondLst>
-                                    <p:cond delay="0"/>
-                                  </p:stCondLst>
-                                  <p:childTnLst>
-                                    <p:set>
-                                      <p:cBhvr>
-                                        <p:cTn id="12" dur="1" fill="hold">
-                                          <p:stCondLst>
-                                            <p:cond delay="0"/>
-                                          </p:stCondLst>
-                                        </p:cTn>
-                                        <p:tgtEl>
-                                          <p:spTgt spid="3">
-                                            <p:txEl>
-                                              <p:pRg st="3" end="3"/>
-                                            </p:txEl>
-                                          </p:spTgt>
-                                        </p:tgtEl>
-                                        <p:attrNameLst>
-                                          <p:attrName>style.visibility</p:attrName>
-                                        </p:attrNameLst>
-                                      </p:cBhvr>
-                                      <p:to>
-                                        <p:strVal val="visible"/>
-                                      </p:to>
-                                    </p:set>
-                                    <p:animEffect transition="in" filter="fade">
-                                      <p:cBhvr>
-                                        <p:cTn id="13" dur="500"/>
-                                        <p:tgtEl>
-                                          <p:spTgt spid="3">
-                                            <p:txEl>
-                                              <p:pRg st="3" end="3"/>
-                                            </p:txEl>
-                                          </p:spTgt>
-                                        </p:tgtEl>
-                                      </p:cBhvr>
-                                    </p:animEffect>
-                                  </p:childTnLst>
-                                </p:cTn>
-                              </p:par>
-                            </p:childTnLst>
-                          </p:cTn>
-                        </p:par>
-                      </p:childTnLst>
-                    </p:cTn>
-                  </p:par>
-                  <p:par>
-                    <p:cTn id="14" fill="hold">
-                      <p:stCondLst>
-                        <p:cond delay="indefinite"/>
-                      </p:stCondLst>
-                      <p:childTnLst>
-                        <p:par>
-                          <p:cTn id="15" fill="hold">
-                            <p:stCondLst>
-                              <p:cond delay="0"/>
-                            </p:stCondLst>
-                            <p:childTnLst>
-                              <p:par>
-                                <p:cTn id="16" presetID="10" presetClass="entr" presetSubtype="0" fill="hold" nodeType="clickEffect">
-                                  <p:stCondLst>
-                                    <p:cond delay="0"/>
-                                  </p:stCondLst>
-                                  <p:childTnLst>
-                                    <p:set>
-                                      <p:cBhvr>
-                                        <p:cTn id="17" dur="1" fill="hold">
-                                          <p:stCondLst>
-                                            <p:cond delay="0"/>
-                                          </p:stCondLst>
-                                        </p:cTn>
-                                        <p:tgtEl>
-                                          <p:spTgt spid="3">
-                                            <p:txEl>
-                                              <p:pRg st="4" end="4"/>
-                                            </p:txEl>
-                                          </p:spTgt>
-                                        </p:tgtEl>
-                                        <p:attrNameLst>
-                                          <p:attrName>style.visibility</p:attrName>
-                                        </p:attrNameLst>
-                                      </p:cBhvr>
-                                      <p:to>
-                                        <p:strVal val="visible"/>
-                                      </p:to>
-                                    </p:set>
-                                    <p:animEffect transition="in" filter="fade">
-                                      <p:cBhvr>
-                                        <p:cTn id="18" dur="500"/>
-                                        <p:tgtEl>
-                                          <p:spTgt spid="3">
-                                            <p:txEl>
-                                              <p:pRg st="4" end="4"/>
-                                            </p:txEl>
-                                          </p:spTgt>
-                                        </p:tgtEl>
-                                      </p:cBhvr>
-                                    </p:animEffect>
-                                  </p:childTnLst>
-                                </p:cTn>
-                              </p:par>
-                              <p:par>
-                                <p:cTn id="19" presetID="10" presetClass="entr" presetSubtype="0" fill="hold" nodeType="withEffect">
-                                  <p:stCondLst>
-                                    <p:cond delay="0"/>
-                                  </p:stCondLst>
-                                  <p:childTnLst>
-                                    <p:set>
-                                      <p:cBhvr>
-                                        <p:cTn id="20" dur="1" fill="hold">
-                                          <p:stCondLst>
-                                            <p:cond delay="0"/>
-                                          </p:stCondLst>
-                                        </p:cTn>
-                                        <p:tgtEl>
-                                          <p:spTgt spid="3">
-                                            <p:txEl>
-                                              <p:pRg st="5" end="5"/>
-                                            </p:txEl>
-                                          </p:spTgt>
-                                        </p:tgtEl>
-                                        <p:attrNameLst>
-                                          <p:attrName>style.visibility</p:attrName>
-                                        </p:attrNameLst>
-                                      </p:cBhvr>
-                                      <p:to>
-                                        <p:strVal val="visible"/>
-                                      </p:to>
-                                    </p:set>
-                                    <p:animEffect transition="in" filter="fade">
-                                      <p:cBhvr>
-                                        <p:cTn id="21" dur="500"/>
-                                        <p:tgtEl>
-                                          <p:spTgt spid="3">
-                                            <p:txEl>
-                                              <p:pRg st="5" end="5"/>
-                                            </p:txEl>
-                                          </p:spTgt>
-                                        </p:tgtEl>
-                                      </p:cBhvr>
-                                    </p:animEffect>
-                                  </p:childTnLst>
-                                </p:cTn>
-                              </p:par>
-                              <p:par>
-                                <p:cTn id="22" presetID="10" presetClass="entr" presetSubtype="0" fill="hold" nodeType="withEffect">
-                                  <p:stCondLst>
-                                    <p:cond delay="0"/>
-                                  </p:stCondLst>
-                                  <p:childTnLst>
-                                    <p:set>
-                                      <p:cBhvr>
-                                        <p:cTn id="23" dur="1" fill="hold">
-                                          <p:stCondLst>
-                                            <p:cond delay="0"/>
-                                          </p:stCondLst>
-                                        </p:cTn>
-                                        <p:tgtEl>
-                                          <p:spTgt spid="3">
-                                            <p:txEl>
-                                              <p:pRg st="6" end="6"/>
-                                            </p:txEl>
-                                          </p:spTgt>
-                                        </p:tgtEl>
-                                        <p:attrNameLst>
-                                          <p:attrName>style.visibility</p:attrName>
-                                        </p:attrNameLst>
-                                      </p:cBhvr>
-                                      <p:to>
-                                        <p:strVal val="visible"/>
-                                      </p:to>
-                                    </p:set>
-                                    <p:animEffect transition="in" filter="fade">
-                                      <p:cBhvr>
-                                        <p:cTn id="24" dur="500"/>
-                                        <p:tgtEl>
-                                          <p:spTgt spid="3">
-                                            <p:txEl>
-                                              <p:pRg st="6" end="6"/>
-                                            </p:txEl>
-                                          </p:spTgt>
-                                        </p:tgtEl>
-                                      </p:cBhvr>
-                                    </p:animEffect>
-                                  </p:childTnLst>
-                                </p:cTn>
-                              </p:par>
-                            </p:childTnLst>
-                          </p:cTn>
-                        </p:par>
-                      </p:childTnLst>
-                    </p:cTn>
-                  </p:par>
-                </p:childTnLst>
-              </p:cTn>
-              <p:prevCondLst>
-                <p:cond evt="onPrev" delay="0">
-                  <p:tgtEl>
-                    <p:sldTgt/>
-                  </p:tgtEl>
-                </p:cond>
-              </p:prevCondLst>
-              <p:nextCondLst>
-                <p:cond evt="onNext" delay="0">
-                  <p:tgtEl>
-                    <p:sldTgt/>
-                  </p:tgtEl>
-                </p:cond>
-              </p:nextCondLst>
-            </p:seq>
-          </p:childTnLst>
-        </p:cTn>
-      </p:par>
-    </p:tnLst>
-  </p:timing>
 </p:sld>
 </file>
 
@@ -12925,219 +11596,6 @@
   <p:transition spd="slow">
     <p:cover/>
   </p:transition>
-  <p:timing>
-    <p:tnLst>
-      <p:par>
-        <p:cTn id="1" dur="indefinite" restart="never" nodeType="tmRoot">
-          <p:childTnLst>
-            <p:seq concurrent="1" nextAc="seek">
-              <p:cTn id="2" dur="indefinite" nodeType="mainSeq">
-                <p:childTnLst>
-                  <p:par>
-                    <p:cTn id="3" fill="hold">
-                      <p:stCondLst>
-                        <p:cond delay="indefinite"/>
-                      </p:stCondLst>
-                      <p:childTnLst>
-                        <p:par>
-                          <p:cTn id="4" fill="hold">
-                            <p:stCondLst>
-                              <p:cond delay="0"/>
-                            </p:stCondLst>
-                            <p:childTnLst>
-                              <p:par>
-                                <p:cTn id="5" presetID="10" presetClass="entr" presetSubtype="0" fill="hold" nodeType="clickEffect">
-                                  <p:stCondLst>
-                                    <p:cond delay="0"/>
-                                  </p:stCondLst>
-                                  <p:childTnLst>
-                                    <p:set>
-                                      <p:cBhvr>
-                                        <p:cTn id="6" dur="1" fill="hold">
-                                          <p:stCondLst>
-                                            <p:cond delay="0"/>
-                                          </p:stCondLst>
-                                        </p:cTn>
-                                        <p:tgtEl>
-                                          <p:spTgt spid="3">
-                                            <p:txEl>
-                                              <p:pRg st="0" end="0"/>
-                                            </p:txEl>
-                                          </p:spTgt>
-                                        </p:tgtEl>
-                                        <p:attrNameLst>
-                                          <p:attrName>style.visibility</p:attrName>
-                                        </p:attrNameLst>
-                                      </p:cBhvr>
-                                      <p:to>
-                                        <p:strVal val="visible"/>
-                                      </p:to>
-                                    </p:set>
-                                    <p:animEffect transition="in" filter="fade">
-                                      <p:cBhvr>
-                                        <p:cTn id="7" dur="500"/>
-                                        <p:tgtEl>
-                                          <p:spTgt spid="3">
-                                            <p:txEl>
-                                              <p:pRg st="0" end="0"/>
-                                            </p:txEl>
-                                          </p:spTgt>
-                                        </p:tgtEl>
-                                      </p:cBhvr>
-                                    </p:animEffect>
-                                  </p:childTnLst>
-                                </p:cTn>
-                              </p:par>
-                            </p:childTnLst>
-                          </p:cTn>
-                        </p:par>
-                      </p:childTnLst>
-                    </p:cTn>
-                  </p:par>
-                  <p:par>
-                    <p:cTn id="8" fill="hold">
-                      <p:stCondLst>
-                        <p:cond delay="indefinite"/>
-                      </p:stCondLst>
-                      <p:childTnLst>
-                        <p:par>
-                          <p:cTn id="9" fill="hold">
-                            <p:stCondLst>
-                              <p:cond delay="0"/>
-                            </p:stCondLst>
-                            <p:childTnLst>
-                              <p:par>
-                                <p:cTn id="10" presetID="10" presetClass="entr" presetSubtype="0" fill="hold" nodeType="clickEffect">
-                                  <p:stCondLst>
-                                    <p:cond delay="0"/>
-                                  </p:stCondLst>
-                                  <p:childTnLst>
-                                    <p:set>
-                                      <p:cBhvr>
-                                        <p:cTn id="11" dur="1" fill="hold">
-                                          <p:stCondLst>
-                                            <p:cond delay="0"/>
-                                          </p:stCondLst>
-                                        </p:cTn>
-                                        <p:tgtEl>
-                                          <p:spTgt spid="3">
-                                            <p:txEl>
-                                              <p:pRg st="1" end="1"/>
-                                            </p:txEl>
-                                          </p:spTgt>
-                                        </p:tgtEl>
-                                        <p:attrNameLst>
-                                          <p:attrName>style.visibility</p:attrName>
-                                        </p:attrNameLst>
-                                      </p:cBhvr>
-                                      <p:to>
-                                        <p:strVal val="visible"/>
-                                      </p:to>
-                                    </p:set>
-                                    <p:animEffect transition="in" filter="fade">
-                                      <p:cBhvr>
-                                        <p:cTn id="12" dur="500"/>
-                                        <p:tgtEl>
-                                          <p:spTgt spid="3">
-                                            <p:txEl>
-                                              <p:pRg st="1" end="1"/>
-                                            </p:txEl>
-                                          </p:spTgt>
-                                        </p:tgtEl>
-                                      </p:cBhvr>
-                                    </p:animEffect>
-                                  </p:childTnLst>
-                                </p:cTn>
-                              </p:par>
-                            </p:childTnLst>
-                          </p:cTn>
-                        </p:par>
-                      </p:childTnLst>
-                    </p:cTn>
-                  </p:par>
-                  <p:par>
-                    <p:cTn id="13" fill="hold">
-                      <p:stCondLst>
-                        <p:cond delay="indefinite"/>
-                      </p:stCondLst>
-                      <p:childTnLst>
-                        <p:par>
-                          <p:cTn id="14" fill="hold">
-                            <p:stCondLst>
-                              <p:cond delay="0"/>
-                            </p:stCondLst>
-                            <p:childTnLst>
-                              <p:par>
-                                <p:cTn id="15" presetID="10" presetClass="entr" presetSubtype="0" fill="hold" nodeType="clickEffect">
-                                  <p:stCondLst>
-                                    <p:cond delay="0"/>
-                                  </p:stCondLst>
-                                  <p:childTnLst>
-                                    <p:set>
-                                      <p:cBhvr>
-                                        <p:cTn id="16" dur="1" fill="hold">
-                                          <p:stCondLst>
-                                            <p:cond delay="0"/>
-                                          </p:stCondLst>
-                                        </p:cTn>
-                                        <p:tgtEl>
-                                          <p:spTgt spid="3">
-                                            <p:txEl>
-                                              <p:pRg st="2" end="2"/>
-                                            </p:txEl>
-                                          </p:spTgt>
-                                        </p:tgtEl>
-                                        <p:attrNameLst>
-                                          <p:attrName>style.visibility</p:attrName>
-                                        </p:attrNameLst>
-                                      </p:cBhvr>
-                                      <p:to>
-                                        <p:strVal val="visible"/>
-                                      </p:to>
-                                    </p:set>
-                                    <p:animEffect transition="in" filter="fade">
-                                      <p:cBhvr>
-                                        <p:cTn id="17" dur="500"/>
-                                        <p:tgtEl>
-                                          <p:spTgt spid="3">
-                                            <p:txEl>
-                                              <p:pRg st="2" end="2"/>
-                                            </p:txEl>
-                                          </p:spTgt>
-                                        </p:tgtEl>
-                                      </p:cBhvr>
-                                    </p:animEffect>
-                                  </p:childTnLst>
-                                </p:cTn>
-                              </p:par>
-                            </p:childTnLst>
-                          </p:cTn>
-                        </p:par>
-                      </p:childTnLst>
-                    </p:cTn>
-                  </p:par>
-                </p:childTnLst>
-              </p:cTn>
-              <p:prevCondLst>
-                <p:cond evt="onPrev" delay="0">
-                  <p:tgtEl>
-                    <p:sldTgt/>
-                  </p:tgtEl>
-                </p:cond>
-              </p:prevCondLst>
-              <p:nextCondLst>
-                <p:cond evt="onNext" delay="0">
-                  <p:tgtEl>
-                    <p:sldTgt/>
-                  </p:tgtEl>
-                </p:cond>
-              </p:nextCondLst>
-            </p:seq>
-          </p:childTnLst>
-        </p:cTn>
-      </p:par>
-    </p:tnLst>
-  </p:timing>
 </p:sld>
 </file>
 
@@ -13355,201 +11813,6 @@
   <p:clrMapOvr>
     <a:masterClrMapping/>
   </p:clrMapOvr>
-  <p:timing>
-    <p:tnLst>
-      <p:par>
-        <p:cTn id="1" dur="indefinite" restart="never" nodeType="tmRoot">
-          <p:childTnLst>
-            <p:seq concurrent="1" nextAc="seek">
-              <p:cTn id="2" dur="indefinite" nodeType="mainSeq">
-                <p:childTnLst>
-                  <p:par>
-                    <p:cTn id="3" fill="hold">
-                      <p:stCondLst>
-                        <p:cond delay="indefinite"/>
-                      </p:stCondLst>
-                      <p:childTnLst>
-                        <p:par>
-                          <p:cTn id="4" fill="hold">
-                            <p:stCondLst>
-                              <p:cond delay="0"/>
-                            </p:stCondLst>
-                            <p:childTnLst>
-                              <p:par>
-                                <p:cTn id="5" presetID="10" presetClass="entr" presetSubtype="0" fill="hold" nodeType="clickEffect">
-                                  <p:stCondLst>
-                                    <p:cond delay="0"/>
-                                  </p:stCondLst>
-                                  <p:childTnLst>
-                                    <p:set>
-                                      <p:cBhvr>
-                                        <p:cTn id="6" dur="1" fill="hold">
-                                          <p:stCondLst>
-                                            <p:cond delay="0"/>
-                                          </p:stCondLst>
-                                        </p:cTn>
-                                        <p:tgtEl>
-                                          <p:spTgt spid="3">
-                                            <p:txEl>
-                                              <p:pRg st="0" end="0"/>
-                                            </p:txEl>
-                                          </p:spTgt>
-                                        </p:tgtEl>
-                                        <p:attrNameLst>
-                                          <p:attrName>style.visibility</p:attrName>
-                                        </p:attrNameLst>
-                                      </p:cBhvr>
-                                      <p:to>
-                                        <p:strVal val="visible"/>
-                                      </p:to>
-                                    </p:set>
-                                    <p:animEffect transition="in" filter="fade">
-                                      <p:cBhvr>
-                                        <p:cTn id="7" dur="500"/>
-                                        <p:tgtEl>
-                                          <p:spTgt spid="3">
-                                            <p:txEl>
-                                              <p:pRg st="0" end="0"/>
-                                            </p:txEl>
-                                          </p:spTgt>
-                                        </p:tgtEl>
-                                      </p:cBhvr>
-                                    </p:animEffect>
-                                  </p:childTnLst>
-                                </p:cTn>
-                              </p:par>
-                            </p:childTnLst>
-                          </p:cTn>
-                        </p:par>
-                      </p:childTnLst>
-                    </p:cTn>
-                  </p:par>
-                  <p:par>
-                    <p:cTn id="8" fill="hold">
-                      <p:stCondLst>
-                        <p:cond delay="indefinite"/>
-                      </p:stCondLst>
-                      <p:childTnLst>
-                        <p:par>
-                          <p:cTn id="9" fill="hold">
-                            <p:stCondLst>
-                              <p:cond delay="0"/>
-                            </p:stCondLst>
-                            <p:childTnLst>
-                              <p:par>
-                                <p:cTn id="10" presetID="10" presetClass="entr" presetSubtype="0" fill="hold" nodeType="clickEffect">
-                                  <p:stCondLst>
-                                    <p:cond delay="0"/>
-                                  </p:stCondLst>
-                                  <p:childTnLst>
-                                    <p:set>
-                                      <p:cBhvr>
-                                        <p:cTn id="11" dur="1" fill="hold">
-                                          <p:stCondLst>
-                                            <p:cond delay="0"/>
-                                          </p:stCondLst>
-                                        </p:cTn>
-                                        <p:tgtEl>
-                                          <p:spTgt spid="3">
-                                            <p:txEl>
-                                              <p:pRg st="1" end="1"/>
-                                            </p:txEl>
-                                          </p:spTgt>
-                                        </p:tgtEl>
-                                        <p:attrNameLst>
-                                          <p:attrName>style.visibility</p:attrName>
-                                        </p:attrNameLst>
-                                      </p:cBhvr>
-                                      <p:to>
-                                        <p:strVal val="visible"/>
-                                      </p:to>
-                                    </p:set>
-                                    <p:animEffect transition="in" filter="fade">
-                                      <p:cBhvr>
-                                        <p:cTn id="12" dur="500"/>
-                                        <p:tgtEl>
-                                          <p:spTgt spid="3">
-                                            <p:txEl>
-                                              <p:pRg st="1" end="1"/>
-                                            </p:txEl>
-                                          </p:spTgt>
-                                        </p:tgtEl>
-                                      </p:cBhvr>
-                                    </p:animEffect>
-                                  </p:childTnLst>
-                                </p:cTn>
-                              </p:par>
-                              <p:par>
-                                <p:cTn id="13" presetID="10" presetClass="entr" presetSubtype="0" fill="hold" nodeType="withEffect">
-                                  <p:stCondLst>
-                                    <p:cond delay="0"/>
-                                  </p:stCondLst>
-                                  <p:childTnLst>
-                                    <p:set>
-                                      <p:cBhvr>
-                                        <p:cTn id="14" dur="1" fill="hold">
-                                          <p:stCondLst>
-                                            <p:cond delay="0"/>
-                                          </p:stCondLst>
-                                        </p:cTn>
-                                        <p:tgtEl>
-                                          <p:spTgt spid="3">
-                                            <p:txEl>
-                                              <p:pRg st="2" end="2"/>
-                                            </p:txEl>
-                                          </p:spTgt>
-                                        </p:tgtEl>
-                                        <p:attrNameLst>
-                                          <p:attrName>style.visibility</p:attrName>
-                                        </p:attrNameLst>
-                                      </p:cBhvr>
-                                      <p:to>
-                                        <p:strVal val="visible"/>
-                                      </p:to>
-                                    </p:set>
-                                    <p:animEffect transition="in" filter="fade">
-                                      <p:cBhvr>
-                                        <p:cTn id="15" dur="500"/>
-                                        <p:tgtEl>
-                                          <p:spTgt spid="3">
-                                            <p:txEl>
-                                              <p:pRg st="2" end="2"/>
-                                            </p:txEl>
-                                          </p:spTgt>
-                                        </p:tgtEl>
-                                      </p:cBhvr>
-                                    </p:animEffect>
-                                  </p:childTnLst>
-                                </p:cTn>
-                              </p:par>
-                            </p:childTnLst>
-                          </p:cTn>
-                        </p:par>
-                      </p:childTnLst>
-                    </p:cTn>
-                  </p:par>
-                </p:childTnLst>
-              </p:cTn>
-              <p:prevCondLst>
-                <p:cond evt="onPrev" delay="0">
-                  <p:tgtEl>
-                    <p:sldTgt/>
-                  </p:tgtEl>
-                </p:cond>
-              </p:prevCondLst>
-              <p:nextCondLst>
-                <p:cond evt="onNext" delay="0">
-                  <p:tgtEl>
-                    <p:sldTgt/>
-                  </p:tgtEl>
-                </p:cond>
-              </p:nextCondLst>
-            </p:seq>
-          </p:childTnLst>
-        </p:cTn>
-      </p:par>
-    </p:tnLst>
-  </p:timing>
 </p:sld>
 </file>
 
@@ -13763,244 +12026,6 @@
   <p:clrMapOvr>
     <a:masterClrMapping/>
   </p:clrMapOvr>
-  <p:timing>
-    <p:tnLst>
-      <p:par>
-        <p:cTn id="1" dur="indefinite" restart="never" nodeType="tmRoot">
-          <p:childTnLst>
-            <p:seq concurrent="1" nextAc="seek">
-              <p:cTn id="2" dur="indefinite" nodeType="mainSeq">
-                <p:childTnLst>
-                  <p:par>
-                    <p:cTn id="3" fill="hold">
-                      <p:stCondLst>
-                        <p:cond delay="indefinite"/>
-                      </p:stCondLst>
-                      <p:childTnLst>
-                        <p:par>
-                          <p:cTn id="4" fill="hold">
-                            <p:stCondLst>
-                              <p:cond delay="0"/>
-                            </p:stCondLst>
-                            <p:childTnLst>
-                              <p:par>
-                                <p:cTn id="5" presetID="10" presetClass="entr" presetSubtype="0" fill="hold" nodeType="clickEffect">
-                                  <p:stCondLst>
-                                    <p:cond delay="0"/>
-                                  </p:stCondLst>
-                                  <p:childTnLst>
-                                    <p:set>
-                                      <p:cBhvr>
-                                        <p:cTn id="6" dur="1" fill="hold">
-                                          <p:stCondLst>
-                                            <p:cond delay="0"/>
-                                          </p:stCondLst>
-                                        </p:cTn>
-                                        <p:tgtEl>
-                                          <p:spTgt spid="3">
-                                            <p:txEl>
-                                              <p:pRg st="0" end="0"/>
-                                            </p:txEl>
-                                          </p:spTgt>
-                                        </p:tgtEl>
-                                        <p:attrNameLst>
-                                          <p:attrName>style.visibility</p:attrName>
-                                        </p:attrNameLst>
-                                      </p:cBhvr>
-                                      <p:to>
-                                        <p:strVal val="visible"/>
-                                      </p:to>
-                                    </p:set>
-                                    <p:animEffect transition="in" filter="fade">
-                                      <p:cBhvr>
-                                        <p:cTn id="7" dur="500"/>
-                                        <p:tgtEl>
-                                          <p:spTgt spid="3">
-                                            <p:txEl>
-                                              <p:pRg st="0" end="0"/>
-                                            </p:txEl>
-                                          </p:spTgt>
-                                        </p:tgtEl>
-                                      </p:cBhvr>
-                                    </p:animEffect>
-                                  </p:childTnLst>
-                                </p:cTn>
-                              </p:par>
-                              <p:par>
-                                <p:cTn id="8" presetID="10" presetClass="entr" presetSubtype="0" fill="hold" nodeType="withEffect">
-                                  <p:stCondLst>
-                                    <p:cond delay="0"/>
-                                  </p:stCondLst>
-                                  <p:childTnLst>
-                                    <p:set>
-                                      <p:cBhvr>
-                                        <p:cTn id="9" dur="1" fill="hold">
-                                          <p:stCondLst>
-                                            <p:cond delay="0"/>
-                                          </p:stCondLst>
-                                        </p:cTn>
-                                        <p:tgtEl>
-                                          <p:spTgt spid="3">
-                                            <p:txEl>
-                                              <p:pRg st="1" end="1"/>
-                                            </p:txEl>
-                                          </p:spTgt>
-                                        </p:tgtEl>
-                                        <p:attrNameLst>
-                                          <p:attrName>style.visibility</p:attrName>
-                                        </p:attrNameLst>
-                                      </p:cBhvr>
-                                      <p:to>
-                                        <p:strVal val="visible"/>
-                                      </p:to>
-                                    </p:set>
-                                    <p:animEffect transition="in" filter="fade">
-                                      <p:cBhvr>
-                                        <p:cTn id="10" dur="500"/>
-                                        <p:tgtEl>
-                                          <p:spTgt spid="3">
-                                            <p:txEl>
-                                              <p:pRg st="1" end="1"/>
-                                            </p:txEl>
-                                          </p:spTgt>
-                                        </p:tgtEl>
-                                      </p:cBhvr>
-                                    </p:animEffect>
-                                  </p:childTnLst>
-                                </p:cTn>
-                              </p:par>
-                            </p:childTnLst>
-                          </p:cTn>
-                        </p:par>
-                      </p:childTnLst>
-                    </p:cTn>
-                  </p:par>
-                  <p:par>
-                    <p:cTn id="11" fill="hold">
-                      <p:stCondLst>
-                        <p:cond delay="indefinite"/>
-                      </p:stCondLst>
-                      <p:childTnLst>
-                        <p:par>
-                          <p:cTn id="12" fill="hold">
-                            <p:stCondLst>
-                              <p:cond delay="0"/>
-                            </p:stCondLst>
-                            <p:childTnLst>
-                              <p:par>
-                                <p:cTn id="13" presetID="10" presetClass="entr" presetSubtype="0" fill="hold" nodeType="clickEffect">
-                                  <p:stCondLst>
-                                    <p:cond delay="0"/>
-                                  </p:stCondLst>
-                                  <p:childTnLst>
-                                    <p:set>
-                                      <p:cBhvr>
-                                        <p:cTn id="14" dur="1" fill="hold">
-                                          <p:stCondLst>
-                                            <p:cond delay="0"/>
-                                          </p:stCondLst>
-                                        </p:cTn>
-                                        <p:tgtEl>
-                                          <p:spTgt spid="3">
-                                            <p:txEl>
-                                              <p:pRg st="2" end="2"/>
-                                            </p:txEl>
-                                          </p:spTgt>
-                                        </p:tgtEl>
-                                        <p:attrNameLst>
-                                          <p:attrName>style.visibility</p:attrName>
-                                        </p:attrNameLst>
-                                      </p:cBhvr>
-                                      <p:to>
-                                        <p:strVal val="visible"/>
-                                      </p:to>
-                                    </p:set>
-                                    <p:animEffect transition="in" filter="fade">
-                                      <p:cBhvr>
-                                        <p:cTn id="15" dur="500"/>
-                                        <p:tgtEl>
-                                          <p:spTgt spid="3">
-                                            <p:txEl>
-                                              <p:pRg st="2" end="2"/>
-                                            </p:txEl>
-                                          </p:spTgt>
-                                        </p:tgtEl>
-                                      </p:cBhvr>
-                                    </p:animEffect>
-                                  </p:childTnLst>
-                                </p:cTn>
-                              </p:par>
-                              <p:par>
-                                <p:cTn id="16" presetID="10" presetClass="entr" presetSubtype="0" fill="hold" nodeType="withEffect">
-                                  <p:stCondLst>
-                                    <p:cond delay="0"/>
-                                  </p:stCondLst>
-                                  <p:childTnLst>
-                                    <p:set>
-                                      <p:cBhvr>
-                                        <p:cTn id="17" dur="1" fill="hold">
-                                          <p:stCondLst>
-                                            <p:cond delay="0"/>
-                                          </p:stCondLst>
-                                        </p:cTn>
-                                        <p:tgtEl>
-                                          <p:spTgt spid="3">
-                                            <p:txEl>
-                                              <p:pRg st="3" end="3"/>
-                                            </p:txEl>
-                                          </p:spTgt>
-                                        </p:tgtEl>
-                                        <p:attrNameLst>
-                                          <p:attrName>style.visibility</p:attrName>
-                                        </p:attrNameLst>
-                                      </p:cBhvr>
-                                      <p:to>
-                                        <p:strVal val="visible"/>
-                                      </p:to>
-                                    </p:set>
-                                    <p:animEffect transition="in" filter="fade">
-                                      <p:cBhvr>
-                                        <p:cTn id="18" dur="500"/>
-                                        <p:tgtEl>
-                                          <p:spTgt spid="3">
-                                            <p:txEl>
-                                              <p:pRg st="3" end="3"/>
-                                            </p:txEl>
-                                          </p:spTgt>
-                                        </p:tgtEl>
-                                      </p:cBhvr>
-                                    </p:animEffect>
-                                  </p:childTnLst>
-                                </p:cTn>
-                              </p:par>
-                            </p:childTnLst>
-                          </p:cTn>
-                        </p:par>
-                      </p:childTnLst>
-                    </p:cTn>
-                  </p:par>
-                </p:childTnLst>
-              </p:cTn>
-              <p:prevCondLst>
-                <p:cond evt="onPrev" delay="0">
-                  <p:tgtEl>
-                    <p:sldTgt/>
-                  </p:tgtEl>
-                </p:cond>
-              </p:prevCondLst>
-              <p:nextCondLst>
-                <p:cond evt="onNext" delay="0">
-                  <p:tgtEl>
-                    <p:sldTgt/>
-                  </p:tgtEl>
-                </p:cond>
-              </p:nextCondLst>
-            </p:seq>
-          </p:childTnLst>
-        </p:cTn>
-      </p:par>
-    </p:tnLst>
-  </p:timing>
 </p:sld>
 </file>
 
@@ -14151,158 +12176,6 @@
   <p:clrMapOvr>
     <a:masterClrMapping/>
   </p:clrMapOvr>
-  <p:timing>
-    <p:tnLst>
-      <p:par>
-        <p:cTn id="1" dur="indefinite" restart="never" nodeType="tmRoot">
-          <p:childTnLst>
-            <p:seq concurrent="1" nextAc="seek">
-              <p:cTn id="2" dur="indefinite" nodeType="mainSeq">
-                <p:childTnLst>
-                  <p:par>
-                    <p:cTn id="3" fill="hold">
-                      <p:stCondLst>
-                        <p:cond delay="indefinite"/>
-                      </p:stCondLst>
-                      <p:childTnLst>
-                        <p:par>
-                          <p:cTn id="4" fill="hold">
-                            <p:stCondLst>
-                              <p:cond delay="0"/>
-                            </p:stCondLst>
-                            <p:childTnLst>
-                              <p:par>
-                                <p:cTn id="5" presetID="10" presetClass="entr" presetSubtype="0" fill="hold" nodeType="clickEffect">
-                                  <p:stCondLst>
-                                    <p:cond delay="0"/>
-                                  </p:stCondLst>
-                                  <p:childTnLst>
-                                    <p:set>
-                                      <p:cBhvr>
-                                        <p:cTn id="6" dur="1" fill="hold">
-                                          <p:stCondLst>
-                                            <p:cond delay="0"/>
-                                          </p:stCondLst>
-                                        </p:cTn>
-                                        <p:tgtEl>
-                                          <p:spTgt spid="3">
-                                            <p:txEl>
-                                              <p:pRg st="0" end="0"/>
-                                            </p:txEl>
-                                          </p:spTgt>
-                                        </p:tgtEl>
-                                        <p:attrNameLst>
-                                          <p:attrName>style.visibility</p:attrName>
-                                        </p:attrNameLst>
-                                      </p:cBhvr>
-                                      <p:to>
-                                        <p:strVal val="visible"/>
-                                      </p:to>
-                                    </p:set>
-                                    <p:animEffect transition="in" filter="fade">
-                                      <p:cBhvr>
-                                        <p:cTn id="7" dur="500"/>
-                                        <p:tgtEl>
-                                          <p:spTgt spid="3">
-                                            <p:txEl>
-                                              <p:pRg st="0" end="0"/>
-                                            </p:txEl>
-                                          </p:spTgt>
-                                        </p:tgtEl>
-                                      </p:cBhvr>
-                                    </p:animEffect>
-                                  </p:childTnLst>
-                                </p:cTn>
-                              </p:par>
-                            </p:childTnLst>
-                          </p:cTn>
-                        </p:par>
-                      </p:childTnLst>
-                    </p:cTn>
-                  </p:par>
-                  <p:par>
-                    <p:cTn id="8" fill="hold">
-                      <p:stCondLst>
-                        <p:cond delay="indefinite"/>
-                      </p:stCondLst>
-                      <p:childTnLst>
-                        <p:par>
-                          <p:cTn id="9" fill="hold">
-                            <p:stCondLst>
-                              <p:cond delay="0"/>
-                            </p:stCondLst>
-                            <p:childTnLst>
-                              <p:par>
-                                <p:cTn id="10" presetID="10" presetClass="entr" presetSubtype="0" fill="hold" nodeType="clickEffect">
-                                  <p:stCondLst>
-                                    <p:cond delay="0"/>
-                                  </p:stCondLst>
-                                  <p:childTnLst>
-                                    <p:set>
-                                      <p:cBhvr>
-                                        <p:cTn id="11" dur="1" fill="hold">
-                                          <p:stCondLst>
-                                            <p:cond delay="0"/>
-                                          </p:stCondLst>
-                                        </p:cTn>
-                                        <p:tgtEl>
-                                          <p:spTgt spid="3">
-                                            <p:txEl>
-                                              <p:pRg st="1" end="1"/>
-                                            </p:txEl>
-                                          </p:spTgt>
-                                        </p:tgtEl>
-                                        <p:attrNameLst>
-                                          <p:attrName>style.visibility</p:attrName>
-                                        </p:attrNameLst>
-                                      </p:cBhvr>
-                                      <p:to>
-                                        <p:strVal val="visible"/>
-                                      </p:to>
-                                    </p:set>
-                                    <p:animEffect transition="in" filter="fade">
-                                      <p:cBhvr>
-                                        <p:cTn id="12" dur="500"/>
-                                        <p:tgtEl>
-                                          <p:spTgt spid="3">
-                                            <p:txEl>
-                                              <p:pRg st="1" end="1"/>
-                                            </p:txEl>
-                                          </p:spTgt>
-                                        </p:tgtEl>
-                                      </p:cBhvr>
-                                    </p:animEffect>
-                                  </p:childTnLst>
-                                </p:cTn>
-                              </p:par>
-                            </p:childTnLst>
-                          </p:cTn>
-                        </p:par>
-                      </p:childTnLst>
-                    </p:cTn>
-                  </p:par>
-                </p:childTnLst>
-              </p:cTn>
-              <p:prevCondLst>
-                <p:cond evt="onPrev" delay="0">
-                  <p:tgtEl>
-                    <p:sldTgt/>
-                  </p:tgtEl>
-                </p:cond>
-              </p:prevCondLst>
-              <p:nextCondLst>
-                <p:cond evt="onNext" delay="0">
-                  <p:tgtEl>
-                    <p:sldTgt/>
-                  </p:tgtEl>
-                </p:cond>
-              </p:nextCondLst>
-            </p:seq>
-          </p:childTnLst>
-        </p:cTn>
-      </p:par>
-    </p:tnLst>
-  </p:timing>
 </p:sld>
 </file>
 
